--- a/Alexa/Amazon Alexa Client/docs/FT900_AlexaDemo_Presentation.pptx
+++ b/Alexa/Amazon Alexa Client/docs/FT900_AlexaDemo_Presentation.pptx
@@ -249,7 +249,7 @@
           <a:p>
             <a:fld id="{13910D1B-00B6-49E0-B35E-7145EFB2B731}" type="datetimeFigureOut">
               <a:rPr lang="en-PH" smtClean="0"/>
-              <a:t>5/10/2019</a:t>
+              <a:t>5/27/2019</a:t>
             </a:fld>
             <a:endParaRPr lang="en-PH"/>
           </a:p>
@@ -419,7 +419,7 @@
           <a:p>
             <a:fld id="{13910D1B-00B6-49E0-B35E-7145EFB2B731}" type="datetimeFigureOut">
               <a:rPr lang="en-PH" smtClean="0"/>
-              <a:t>5/10/2019</a:t>
+              <a:t>5/27/2019</a:t>
             </a:fld>
             <a:endParaRPr lang="en-PH"/>
           </a:p>
@@ -599,7 +599,7 @@
           <a:p>
             <a:fld id="{13910D1B-00B6-49E0-B35E-7145EFB2B731}" type="datetimeFigureOut">
               <a:rPr lang="en-PH" smtClean="0"/>
-              <a:t>5/10/2019</a:t>
+              <a:t>5/27/2019</a:t>
             </a:fld>
             <a:endParaRPr lang="en-PH"/>
           </a:p>
@@ -769,7 +769,7 @@
           <a:p>
             <a:fld id="{13910D1B-00B6-49E0-B35E-7145EFB2B731}" type="datetimeFigureOut">
               <a:rPr lang="en-PH" smtClean="0"/>
-              <a:t>5/10/2019</a:t>
+              <a:t>5/27/2019</a:t>
             </a:fld>
             <a:endParaRPr lang="en-PH"/>
           </a:p>
@@ -1015,7 +1015,7 @@
           <a:p>
             <a:fld id="{13910D1B-00B6-49E0-B35E-7145EFB2B731}" type="datetimeFigureOut">
               <a:rPr lang="en-PH" smtClean="0"/>
-              <a:t>5/10/2019</a:t>
+              <a:t>5/27/2019</a:t>
             </a:fld>
             <a:endParaRPr lang="en-PH"/>
           </a:p>
@@ -1247,7 +1247,7 @@
           <a:p>
             <a:fld id="{13910D1B-00B6-49E0-B35E-7145EFB2B731}" type="datetimeFigureOut">
               <a:rPr lang="en-PH" smtClean="0"/>
-              <a:t>5/10/2019</a:t>
+              <a:t>5/27/2019</a:t>
             </a:fld>
             <a:endParaRPr lang="en-PH"/>
           </a:p>
@@ -1614,7 +1614,7 @@
           <a:p>
             <a:fld id="{13910D1B-00B6-49E0-B35E-7145EFB2B731}" type="datetimeFigureOut">
               <a:rPr lang="en-PH" smtClean="0"/>
-              <a:t>5/10/2019</a:t>
+              <a:t>5/27/2019</a:t>
             </a:fld>
             <a:endParaRPr lang="en-PH"/>
           </a:p>
@@ -1732,7 +1732,7 @@
           <a:p>
             <a:fld id="{13910D1B-00B6-49E0-B35E-7145EFB2B731}" type="datetimeFigureOut">
               <a:rPr lang="en-PH" smtClean="0"/>
-              <a:t>5/10/2019</a:t>
+              <a:t>5/27/2019</a:t>
             </a:fld>
             <a:endParaRPr lang="en-PH"/>
           </a:p>
@@ -1827,7 +1827,7 @@
           <a:p>
             <a:fld id="{13910D1B-00B6-49E0-B35E-7145EFB2B731}" type="datetimeFigureOut">
               <a:rPr lang="en-PH" smtClean="0"/>
-              <a:t>5/10/2019</a:t>
+              <a:t>5/27/2019</a:t>
             </a:fld>
             <a:endParaRPr lang="en-PH"/>
           </a:p>
@@ -2104,7 +2104,7 @@
           <a:p>
             <a:fld id="{13910D1B-00B6-49E0-B35E-7145EFB2B731}" type="datetimeFigureOut">
               <a:rPr lang="en-PH" smtClean="0"/>
-              <a:t>5/10/2019</a:t>
+              <a:t>5/27/2019</a:t>
             </a:fld>
             <a:endParaRPr lang="en-PH"/>
           </a:p>
@@ -2357,7 +2357,7 @@
           <a:p>
             <a:fld id="{13910D1B-00B6-49E0-B35E-7145EFB2B731}" type="datetimeFigureOut">
               <a:rPr lang="en-PH" smtClean="0"/>
-              <a:t>5/10/2019</a:t>
+              <a:t>5/27/2019</a:t>
             </a:fld>
             <a:endParaRPr lang="en-PH"/>
           </a:p>
@@ -2570,7 +2570,7 @@
           <a:p>
             <a:fld id="{13910D1B-00B6-49E0-B35E-7145EFB2B731}" type="datetimeFigureOut">
               <a:rPr lang="en-PH" smtClean="0"/>
-              <a:t>5/10/2019</a:t>
+              <a:t>5/27/2019</a:t>
             </a:fld>
             <a:endParaRPr lang="en-PH"/>
           </a:p>
@@ -12305,7 +12305,7 @@
           </p:nvSpPr>
           <p:spPr>
             <a:xfrm>
-              <a:off x="7415756" y="2799730"/>
+              <a:off x="2402168" y="2799730"/>
               <a:ext cx="1591083" cy="659749"/>
             </a:xfrm>
             <a:prstGeom prst="roundRect">
@@ -12456,7 +12456,7 @@
           </p:nvSpPr>
           <p:spPr>
             <a:xfrm>
-              <a:off x="5723374" y="2799730"/>
+              <a:off x="5754906" y="2799730"/>
               <a:ext cx="1591086" cy="662922"/>
             </a:xfrm>
             <a:prstGeom prst="roundRect">
@@ -12510,7 +12510,7 @@
           </p:nvSpPr>
           <p:spPr>
             <a:xfrm>
-              <a:off x="7415755" y="4255271"/>
+              <a:off x="2402167" y="4255271"/>
               <a:ext cx="1591084" cy="662922"/>
             </a:xfrm>
             <a:prstGeom prst="roundRect">
@@ -12669,7 +12669,7 @@
           </p:nvSpPr>
           <p:spPr>
             <a:xfrm>
-              <a:off x="7415756" y="3527259"/>
+              <a:off x="2402168" y="3527259"/>
               <a:ext cx="1591086" cy="662922"/>
             </a:xfrm>
             <a:prstGeom prst="roundRect">
@@ -12916,6 +12916,110 @@
           </p:txBody>
         </p:sp>
       </p:grpSp>
+      <p:sp>
+        <p:nvSpPr>
+          <p:cNvPr id="22" name="Rounded Rectangle 21"/>
+          <p:cNvSpPr/>
+          <p:nvPr/>
+        </p:nvSpPr>
+        <p:spPr>
+          <a:xfrm>
+            <a:off x="7448512" y="2805417"/>
+            <a:ext cx="1591086" cy="662922"/>
+          </a:xfrm>
+          <a:prstGeom prst="roundRect">
+            <a:avLst/>
+          </a:prstGeom>
+          <a:solidFill>
+            <a:srgbClr val="0070C0"/>
+          </a:solidFill>
+        </p:spPr>
+        <p:style>
+          <a:lnRef idx="2">
+            <a:schemeClr val="accent1">
+              <a:shade val="50000"/>
+            </a:schemeClr>
+          </a:lnRef>
+          <a:fillRef idx="1">
+            <a:schemeClr val="accent1"/>
+          </a:fillRef>
+          <a:effectRef idx="0">
+            <a:schemeClr val="accent1"/>
+          </a:effectRef>
+          <a:fontRef idx="minor">
+            <a:schemeClr val="lt1"/>
+          </a:fontRef>
+        </p:style>
+        <p:txBody>
+          <a:bodyPr rtlCol="0" anchor="ctr"/>
+          <a:lstStyle/>
+          <a:p>
+            <a:pPr algn="ctr"/>
+            <a:r>
+              <a:rPr lang="en-PH" dirty="0" smtClean="0"/>
+              <a:t>Display Card</a:t>
+            </a:r>
+            <a:endParaRPr lang="en-PH" dirty="0" smtClean="0"/>
+          </a:p>
+          <a:p>
+            <a:pPr algn="ctr"/>
+            <a:r>
+              <a:rPr lang="en-PH" dirty="0" smtClean="0"/>
+              <a:t>Manager</a:t>
+            </a:r>
+            <a:endParaRPr lang="en-PH" dirty="0"/>
+          </a:p>
+        </p:txBody>
+      </p:sp>
+      <p:sp>
+        <p:nvSpPr>
+          <p:cNvPr id="25" name="Rounded Rectangle 24"/>
+          <p:cNvSpPr/>
+          <p:nvPr/>
+        </p:nvSpPr>
+        <p:spPr>
+          <a:xfrm>
+            <a:off x="7448512" y="3536925"/>
+            <a:ext cx="1591086" cy="662922"/>
+          </a:xfrm>
+          <a:prstGeom prst="roundRect">
+            <a:avLst/>
+          </a:prstGeom>
+          <a:solidFill>
+            <a:schemeClr val="accent5">
+              <a:lumMod val="50000"/>
+            </a:schemeClr>
+          </a:solidFill>
+        </p:spPr>
+        <p:style>
+          <a:lnRef idx="2">
+            <a:schemeClr val="accent1">
+              <a:shade val="50000"/>
+            </a:schemeClr>
+          </a:lnRef>
+          <a:fillRef idx="1">
+            <a:schemeClr val="accent1"/>
+          </a:fillRef>
+          <a:effectRef idx="0">
+            <a:schemeClr val="accent1"/>
+          </a:effectRef>
+          <a:fontRef idx="minor">
+            <a:schemeClr val="lt1"/>
+          </a:fontRef>
+        </p:style>
+        <p:txBody>
+          <a:bodyPr rtlCol="0" anchor="ctr"/>
+          <a:lstStyle/>
+          <a:p>
+            <a:pPr algn="ctr"/>
+            <a:r>
+              <a:rPr lang="en-PH" dirty="0" smtClean="0"/>
+              <a:t>GuiRenderer</a:t>
+            </a:r>
+            <a:endParaRPr lang="en-PH" dirty="0"/>
+          </a:p>
+        </p:txBody>
+      </p:sp>
     </p:spTree>
     <p:extLst>
       <p:ext uri="{BB962C8B-B14F-4D97-AF65-F5344CB8AC3E}">
@@ -13184,7 +13288,7 @@
   <a:extraClrSchemeLst/>
   <a:extLst>
     <a:ext uri="{05A4C25C-085E-4340-85A3-A5531E510DB2}">
-      <thm15:themeFamily xmlns:thm15="http://schemas.microsoft.com/office/thememl/2012/main" xmlns="" name="Office Theme" id="{62F939B6-93AF-4DB8-9C6B-D6C7DFDC589F}" vid="{4A3C46E8-61CC-4603-A589-7422A47A8E4A}"/>
+      <thm15:themeFamily xmlns="" xmlns:thm15="http://schemas.microsoft.com/office/thememl/2012/main" name="Office Theme" id="{62F939B6-93AF-4DB8-9C6B-D6C7DFDC589F}" vid="{4A3C46E8-61CC-4603-A589-7422A47A8E4A}"/>
     </a:ext>
   </a:extLst>
 </a:theme>
